--- a/lectures/Lecture7-MMG232.pptx
+++ b/lectures/Lecture7-MMG232.pptx
@@ -5,7 +5,7 @@
     <p:sldMasterId id="2147483685" r:id="rId1"/>
   </p:sldMasterIdLst>
   <p:notesMasterIdLst>
-    <p:notesMasterId r:id="rId41"/>
+    <p:notesMasterId r:id="rId39"/>
   </p:notesMasterIdLst>
   <p:sldIdLst>
     <p:sldId id="256" r:id="rId2"/>
@@ -44,9 +44,7 @@
     <p:sldId id="508" r:id="rId35"/>
     <p:sldId id="349543179" r:id="rId36"/>
     <p:sldId id="516" r:id="rId37"/>
-    <p:sldId id="517" r:id="rId38"/>
-    <p:sldId id="481" r:id="rId39"/>
-    <p:sldId id="257" r:id="rId40"/>
+    <p:sldId id="481" r:id="rId38"/>
   </p:sldIdLst>
   <p:sldSz cx="9144000" cy="6858000" type="screen4x3"/>
   <p:notesSz cx="6858000" cy="9144000"/>
@@ -18539,7 +18537,12 @@
             <p:ph type="title"/>
           </p:nvPr>
         </p:nvSpPr>
-        <p:spPr/>
+        <p:spPr>
+          <a:xfrm>
+            <a:off x="625354" y="264623"/>
+            <a:ext cx="8638567" cy="1432273"/>
+          </a:xfrm>
+        </p:spPr>
         <p:txBody>
           <a:bodyPr/>
           <a:lstStyle/>
@@ -18561,9 +18564,16 @@
             <p:ph idx="1"/>
           </p:nvPr>
         </p:nvSpPr>
-        <p:spPr/>
+        <p:spPr>
+          <a:xfrm>
+            <a:off x="625354" y="2160542"/>
+            <a:ext cx="7677661" cy="3261789"/>
+          </a:xfrm>
+        </p:spPr>
         <p:txBody>
-          <a:bodyPr/>
+          <a:bodyPr>
+            <a:normAutofit fontScale="92500"/>
+          </a:bodyPr>
           <a:lstStyle/>
           <a:p>
             <a:r>
@@ -18613,7 +18623,7 @@
         </p:blipFill>
         <p:spPr>
           <a:xfrm>
-            <a:off x="6786311" y="5291614"/>
+            <a:off x="5751990" y="5588795"/>
             <a:ext cx="2237999" cy="594363"/>
           </a:xfrm>
           <a:prstGeom prst="rect">
@@ -18663,334 +18673,10 @@
         </p:nvSpPr>
         <p:spPr>
           <a:xfrm>
-            <a:off x="467431" y="900022"/>
-            <a:ext cx="8229600" cy="857251"/>
+            <a:off x="731820" y="287521"/>
+            <a:ext cx="10380573" cy="1432273"/>
           </a:xfrm>
         </p:spPr>
-        <p:txBody>
-          <a:bodyPr/>
-          <a:lstStyle/>
-          <a:p>
-            <a:r>
-              <a:rPr lang="en-GB" dirty="0"/>
-              <a:t>Aggregated Mapping Stats</a:t>
-            </a:r>
-          </a:p>
-        </p:txBody>
-      </p:sp>
-      <p:pic>
-        <p:nvPicPr>
-          <p:cNvPr id="4" name="Picture 3"/>
-          <p:cNvPicPr>
-            <a:picLocks noChangeAspect="1"/>
-          </p:cNvPicPr>
-          <p:nvPr/>
-        </p:nvPicPr>
-        <p:blipFill>
-          <a:blip r:embed="rId2">
-            <a:extLst>
-              <a:ext uri="{28A0092B-C50C-407E-A947-70E740481C1C}">
-                <a14:useLocalDpi xmlns:a14="http://schemas.microsoft.com/office/drawing/2010/main" val="0"/>
-              </a:ext>
-            </a:extLst>
-          </a:blip>
-          <a:stretch>
-            <a:fillRect/>
-          </a:stretch>
-        </p:blipFill>
-        <p:spPr>
-          <a:xfrm>
-            <a:off x="575446" y="2024808"/>
-            <a:ext cx="3421683" cy="3543885"/>
-          </a:xfrm>
-          <a:prstGeom prst="rect">
-            <a:avLst/>
-          </a:prstGeom>
-        </p:spPr>
-      </p:pic>
-      <p:sp>
-        <p:nvSpPr>
-          <p:cNvPr id="5" name="Rounded Rectangle 4"/>
-          <p:cNvSpPr/>
-          <p:nvPr/>
-        </p:nvSpPr>
-        <p:spPr>
-          <a:xfrm>
-            <a:off x="575447" y="4617168"/>
-            <a:ext cx="162023" cy="162023"/>
-          </a:xfrm>
-          <a:prstGeom prst="roundRect">
-            <a:avLst/>
-          </a:prstGeom>
-          <a:ln/>
-        </p:spPr>
-        <p:style>
-          <a:lnRef idx="2">
-            <a:schemeClr val="accent2">
-              <a:shade val="50000"/>
-            </a:schemeClr>
-          </a:lnRef>
-          <a:fillRef idx="1">
-            <a:schemeClr val="accent2"/>
-          </a:fillRef>
-          <a:effectRef idx="0">
-            <a:schemeClr val="accent2"/>
-          </a:effectRef>
-          <a:fontRef idx="minor">
-            <a:schemeClr val="lt1"/>
-          </a:fontRef>
-        </p:style>
-        <p:txBody>
-          <a:bodyPr rtlCol="0" anchor="ctr"/>
-          <a:lstStyle/>
-          <a:p>
-            <a:pPr algn="ctr"/>
-            <a:endParaRPr lang="en-GB" sz="1351"/>
-          </a:p>
-        </p:txBody>
-      </p:sp>
-      <p:grpSp>
-        <p:nvGrpSpPr>
-          <p:cNvPr id="6" name="Group 5"/>
-          <p:cNvGrpSpPr/>
-          <p:nvPr/>
-        </p:nvGrpSpPr>
-        <p:grpSpPr>
-          <a:xfrm>
-            <a:off x="5112079" y="1920481"/>
-            <a:ext cx="3687855" cy="3543885"/>
-            <a:chOff x="107380" y="1484730"/>
-            <a:chExt cx="3385854" cy="3253674"/>
-          </a:xfrm>
-        </p:grpSpPr>
-        <p:pic>
-          <p:nvPicPr>
-            <p:cNvPr id="7" name="Picture 6"/>
-            <p:cNvPicPr>
-              <a:picLocks noChangeAspect="1"/>
-            </p:cNvPicPr>
-            <p:nvPr/>
-          </p:nvPicPr>
-          <p:blipFill>
-            <a:blip r:embed="rId3">
-              <a:extLst>
-                <a:ext uri="{28A0092B-C50C-407E-A947-70E740481C1C}">
-                  <a14:useLocalDpi xmlns:a14="http://schemas.microsoft.com/office/drawing/2010/main" val="0"/>
-                </a:ext>
-              </a:extLst>
-            </a:blip>
-            <a:stretch>
-              <a:fillRect/>
-            </a:stretch>
-          </p:blipFill>
-          <p:spPr>
-            <a:xfrm>
-              <a:off x="107380" y="1484730"/>
-              <a:ext cx="3385854" cy="3253674"/>
-            </a:xfrm>
-            <a:prstGeom prst="rect">
-              <a:avLst/>
-            </a:prstGeom>
-          </p:spPr>
-        </p:pic>
-        <p:sp>
-          <p:nvSpPr>
-            <p:cNvPr id="8" name="TextBox 7"/>
-            <p:cNvSpPr txBox="1"/>
-            <p:nvPr/>
-          </p:nvSpPr>
-          <p:spPr>
-            <a:xfrm>
-              <a:off x="495402" y="1666213"/>
-              <a:ext cx="1149717" cy="275626"/>
-            </a:xfrm>
-            <a:prstGeom prst="rect">
-              <a:avLst/>
-            </a:prstGeom>
-            <a:noFill/>
-          </p:spPr>
-          <p:txBody>
-            <a:bodyPr wrap="none" rtlCol="0">
-              <a:spAutoFit/>
-            </a:bodyPr>
-            <a:lstStyle/>
-            <a:p>
-              <a:r>
-                <a:rPr lang="en-GB" sz="1351" dirty="0" err="1"/>
-                <a:t>FastQ</a:t>
-              </a:r>
-              <a:r>
-                <a:rPr lang="en-GB" sz="1351" dirty="0"/>
-                <a:t> Screen</a:t>
-              </a:r>
-            </a:p>
-          </p:txBody>
-        </p:sp>
-      </p:grpSp>
-    </p:spTree>
-    <p:extLst>
-      <p:ext uri="{BB962C8B-B14F-4D97-AF65-F5344CB8AC3E}">
-        <p14:creationId xmlns:p14="http://schemas.microsoft.com/office/powerpoint/2010/main" val="3019979771"/>
-      </p:ext>
-    </p:extLst>
-  </p:cSld>
-  <p:clrMapOvr>
-    <a:masterClrMapping/>
-  </p:clrMapOvr>
-  <p:timing>
-    <p:tnLst>
-      <p:par>
-        <p:cTn id="1" dur="indefinite" restart="never" nodeType="tmRoot">
-          <p:childTnLst>
-            <p:seq concurrent="1" nextAc="seek">
-              <p:cTn id="2" dur="indefinite" nodeType="mainSeq">
-                <p:childTnLst>
-                  <p:par>
-                    <p:cTn id="3" fill="hold">
-                      <p:stCondLst>
-                        <p:cond delay="indefinite"/>
-                      </p:stCondLst>
-                      <p:childTnLst>
-                        <p:par>
-                          <p:cTn id="4" fill="hold">
-                            <p:stCondLst>
-                              <p:cond delay="0"/>
-                            </p:stCondLst>
-                            <p:childTnLst>
-                              <p:par>
-                                <p:cTn id="5" presetID="1" presetClass="entr" presetSubtype="0" fill="hold" grpId="0" nodeType="clickEffect">
-                                  <p:stCondLst>
-                                    <p:cond delay="0"/>
-                                  </p:stCondLst>
-                                  <p:childTnLst>
-                                    <p:set>
-                                      <p:cBhvr>
-                                        <p:cTn id="6" dur="1" fill="hold">
-                                          <p:stCondLst>
-                                            <p:cond delay="0"/>
-                                          </p:stCondLst>
-                                        </p:cTn>
-                                        <p:tgtEl>
-                                          <p:spTgt spid="5"/>
-                                        </p:tgtEl>
-                                        <p:attrNameLst>
-                                          <p:attrName>style.visibility</p:attrName>
-                                        </p:attrNameLst>
-                                      </p:cBhvr>
-                                      <p:to>
-                                        <p:strVal val="visible"/>
-                                      </p:to>
-                                    </p:set>
-                                  </p:childTnLst>
-                                </p:cTn>
-                              </p:par>
-                            </p:childTnLst>
-                          </p:cTn>
-                        </p:par>
-                      </p:childTnLst>
-                    </p:cTn>
-                  </p:par>
-                  <p:par>
-                    <p:cTn id="7" fill="hold">
-                      <p:stCondLst>
-                        <p:cond delay="indefinite"/>
-                      </p:stCondLst>
-                      <p:childTnLst>
-                        <p:par>
-                          <p:cTn id="8" fill="hold">
-                            <p:stCondLst>
-                              <p:cond delay="0"/>
-                            </p:stCondLst>
-                            <p:childTnLst>
-                              <p:par>
-                                <p:cTn id="9" presetID="1" presetClass="entr" presetSubtype="0" fill="hold" nodeType="clickEffect">
-                                  <p:stCondLst>
-                                    <p:cond delay="0"/>
-                                  </p:stCondLst>
-                                  <p:childTnLst>
-                                    <p:set>
-                                      <p:cBhvr>
-                                        <p:cTn id="10" dur="1" fill="hold">
-                                          <p:stCondLst>
-                                            <p:cond delay="0"/>
-                                          </p:stCondLst>
-                                        </p:cTn>
-                                        <p:tgtEl>
-                                          <p:spTgt spid="6"/>
-                                        </p:tgtEl>
-                                        <p:attrNameLst>
-                                          <p:attrName>style.visibility</p:attrName>
-                                        </p:attrNameLst>
-                                      </p:cBhvr>
-                                      <p:to>
-                                        <p:strVal val="visible"/>
-                                      </p:to>
-                                    </p:set>
-                                  </p:childTnLst>
-                                </p:cTn>
-                              </p:par>
-                            </p:childTnLst>
-                          </p:cTn>
-                        </p:par>
-                      </p:childTnLst>
-                    </p:cTn>
-                  </p:par>
-                </p:childTnLst>
-              </p:cTn>
-              <p:prevCondLst>
-                <p:cond evt="onPrev" delay="0">
-                  <p:tgtEl>
-                    <p:sldTgt/>
-                  </p:tgtEl>
-                </p:cond>
-              </p:prevCondLst>
-              <p:nextCondLst>
-                <p:cond evt="onNext" delay="0">
-                  <p:tgtEl>
-                    <p:sldTgt/>
-                  </p:tgtEl>
-                </p:cond>
-              </p:nextCondLst>
-            </p:seq>
-          </p:childTnLst>
-        </p:cTn>
-      </p:par>
-    </p:tnLst>
-    <p:bldLst>
-      <p:bldP spid="5" grpId="0" animBg="1"/>
-    </p:bldLst>
-  </p:timing>
-</p:sld>
-</file>
-
-<file path=ppt/slides/slide38.xml><?xml version="1.0" encoding="utf-8"?>
-<p:sld xmlns:a="http://schemas.openxmlformats.org/drawingml/2006/main" xmlns:r="http://schemas.openxmlformats.org/officeDocument/2006/relationships" xmlns:p="http://schemas.openxmlformats.org/presentationml/2006/main">
-  <p:cSld>
-    <p:spTree>
-      <p:nvGrpSpPr>
-        <p:cNvPr id="1" name=""/>
-        <p:cNvGrpSpPr/>
-        <p:nvPr/>
-      </p:nvGrpSpPr>
-      <p:grpSpPr>
-        <a:xfrm>
-          <a:off x="0" y="0"/>
-          <a:ext cx="0" cy="0"/>
-          <a:chOff x="0" y="0"/>
-          <a:chExt cx="0" cy="0"/>
-        </a:xfrm>
-      </p:grpSpPr>
-      <p:sp>
-        <p:nvSpPr>
-          <p:cNvPr id="2" name="Title 1"/>
-          <p:cNvSpPr>
-            <a:spLocks noGrp="1"/>
-          </p:cNvSpPr>
-          <p:nvPr>
-            <p:ph type="title"/>
-          </p:nvPr>
-        </p:nvSpPr>
-        <p:spPr/>
         <p:txBody>
           <a:bodyPr/>
           <a:lstStyle/>
@@ -19094,7 +18780,7 @@
         </p:blipFill>
         <p:spPr>
           <a:xfrm>
-            <a:off x="89380" y="2043862"/>
+            <a:off x="467432" y="1551002"/>
             <a:ext cx="4914683" cy="2581625"/>
           </a:xfrm>
           <a:prstGeom prst="rect">
@@ -19130,86 +18816,6 @@
     <p:extLst>
       <p:ext uri="{BB962C8B-B14F-4D97-AF65-F5344CB8AC3E}">
         <p14:creationId xmlns:p14="http://schemas.microsoft.com/office/powerpoint/2010/main" val="1956636766"/>
-      </p:ext>
-    </p:extLst>
-  </p:cSld>
-  <p:clrMapOvr>
-    <a:masterClrMapping/>
-  </p:clrMapOvr>
-</p:sld>
-</file>
-
-<file path=ppt/slides/slide39.xml><?xml version="1.0" encoding="utf-8"?>
-<p:sld xmlns:a="http://schemas.openxmlformats.org/drawingml/2006/main" xmlns:r="http://schemas.openxmlformats.org/officeDocument/2006/relationships" xmlns:p="http://schemas.openxmlformats.org/presentationml/2006/main">
-  <p:cSld>
-    <p:spTree>
-      <p:nvGrpSpPr>
-        <p:cNvPr id="1" name=""/>
-        <p:cNvGrpSpPr/>
-        <p:nvPr/>
-      </p:nvGrpSpPr>
-      <p:grpSpPr>
-        <a:xfrm>
-          <a:off x="0" y="0"/>
-          <a:ext cx="0" cy="0"/>
-          <a:chOff x="0" y="0"/>
-          <a:chExt cx="0" cy="0"/>
-        </a:xfrm>
-      </p:grpSpPr>
-      <p:sp>
-        <p:nvSpPr>
-          <p:cNvPr id="2" name="Title 1">
-            <a:extLst>
-              <a:ext uri="{FF2B5EF4-FFF2-40B4-BE49-F238E27FC236}">
-                <a16:creationId xmlns:a16="http://schemas.microsoft.com/office/drawing/2014/main" id="{867C3AAB-E950-4D41-95D2-77004BE91EF2}"/>
-              </a:ext>
-            </a:extLst>
-          </p:cNvPr>
-          <p:cNvSpPr>
-            <a:spLocks noGrp="1"/>
-          </p:cNvSpPr>
-          <p:nvPr>
-            <p:ph type="title"/>
-          </p:nvPr>
-        </p:nvSpPr>
-        <p:spPr/>
-        <p:txBody>
-          <a:bodyPr/>
-          <a:lstStyle/>
-          <a:p>
-            <a:endParaRPr lang="en-US"/>
-          </a:p>
-        </p:txBody>
-      </p:sp>
-      <p:sp>
-        <p:nvSpPr>
-          <p:cNvPr id="3" name="Content Placeholder 2">
-            <a:extLst>
-              <a:ext uri="{FF2B5EF4-FFF2-40B4-BE49-F238E27FC236}">
-                <a16:creationId xmlns:a16="http://schemas.microsoft.com/office/drawing/2014/main" id="{E1ED9004-B1D5-E043-90CC-275C803F79A2}"/>
-              </a:ext>
-            </a:extLst>
-          </p:cNvPr>
-          <p:cNvSpPr>
-            <a:spLocks noGrp="1"/>
-          </p:cNvSpPr>
-          <p:nvPr>
-            <p:ph idx="1"/>
-          </p:nvPr>
-        </p:nvSpPr>
-        <p:spPr/>
-        <p:txBody>
-          <a:bodyPr/>
-          <a:lstStyle/>
-          <a:p>
-            <a:endParaRPr lang="en-US"/>
-          </a:p>
-        </p:txBody>
-      </p:sp>
-    </p:spTree>
-    <p:extLst>
-      <p:ext uri="{BB962C8B-B14F-4D97-AF65-F5344CB8AC3E}">
-        <p14:creationId xmlns:p14="http://schemas.microsoft.com/office/powerpoint/2010/main" val="789885685"/>
       </p:ext>
     </p:extLst>
   </p:cSld>
